--- a/ShardingJDBC+Seata分布式事务解决方案.pptx
+++ b/ShardingJDBC+Seata分布式事务解决方案.pptx
@@ -19,6 +19,7 @@
     <p:sldId id="265" r:id="rId12"/>
     <p:sldId id="266" r:id="rId13"/>
     <p:sldId id="267" r:id="rId14"/>
+    <p:sldId id="268" r:id="rId15"/>
   </p:sldIdLst>
   <p:sldSz cx="12192000" cy="6858000"/>
   <p:notesSz cx="7103745" cy="10234295"/>
@@ -4433,29 +4434,6 @@
       </p:sp>
       <p:sp>
         <p:nvSpPr>
-          <p:cNvPr id="3" name="页脚占位符 2"/>
-          <p:cNvSpPr>
-            <a:spLocks noGrp="1"/>
-          </p:cNvSpPr>
-          <p:nvPr>
-            <p:ph type="ftr" sz="quarter" idx="11"/>
-          </p:nvPr>
-        </p:nvSpPr>
-        <p:spPr/>
-        <p:txBody>
-          <a:bodyPr/>
-          <a:lstStyle/>
-          <a:p>
-            <a:r>
-              <a:rPr lang="en-US" altLang="zh-CN"/>
-              <a:t>www.islide.cc</a:t>
-            </a:r>
-            <a:endParaRPr lang="zh-CN" altLang="en-US" dirty="0"/>
-          </a:p>
-        </p:txBody>
-      </p:sp>
-      <p:sp>
-        <p:nvSpPr>
           <p:cNvPr id="4" name="灯片编号占位符 3"/>
           <p:cNvSpPr>
             <a:spLocks noGrp="1"/>
@@ -4490,7 +4468,7 @@
         </p:nvGrpSpPr>
         <p:grpSpPr>
           <a:xfrm>
-            <a:off x="70178" y="1988840"/>
+            <a:off x="70178" y="1989475"/>
             <a:ext cx="10585176" cy="3082147"/>
             <a:chOff x="767408" y="1988840"/>
             <a:chExt cx="10585176" cy="3082147"/>
@@ -5645,6 +5623,510 @@
         <p:spPr bwMode="auto">
           <a:xfrm>
             <a:off x="9917001" y="4514223"/>
+            <a:ext cx="2195910" cy="557399"/>
+          </a:xfrm>
+          <a:prstGeom prst="rect">
+            <a:avLst/>
+          </a:prstGeom>
+          <a:noFill/>
+          <a:ln>
+            <a:noFill/>
+          </a:ln>
+          <a:extLst>
+            <a:ext uri="{909E8E84-426E-40DD-AFC4-6F175D3DCCD1}">
+              <a14:hiddenFill xmlns:a14="http://schemas.microsoft.com/office/drawing/2010/main">
+                <a:solidFill>
+                  <a:srgbClr val="FFFFFF"/>
+                </a:solidFill>
+              </a14:hiddenFill>
+            </a:ext>
+            <a:ext uri="{91240B29-F687-4F45-9708-019B960494DF}">
+              <a14:hiddenLine xmlns:a14="http://schemas.microsoft.com/office/drawing/2010/main" w="9525">
+                <a:solidFill>
+                  <a:srgbClr val="000000"/>
+                </a:solidFill>
+                <a:miter lim="800000"/>
+                <a:headEnd/>
+                <a:tailEnd/>
+              </a14:hiddenLine>
+            </a:ext>
+          </a:extLst>
+        </p:spPr>
+        <p:txBody>
+          <a:bodyPr wrap="square" lIns="90000" rIns="90000" anchor="t" anchorCtr="0">
+            <a:normAutofit/>
+          </a:bodyPr>
+          <a:p>
+            <a:pPr algn="ctr">
+              <a:lnSpc>
+                <a:spcPct val="120000"/>
+              </a:lnSpc>
+            </a:pPr>
+            <a:r>
+              <a:rPr lang="en-US" altLang="zh-CN" sz="1100" dirty="0"/>
+              <a:t>TC 驱动 XID 对应的全局事务下的所有分支事务完成提交或回滚。</a:t>
+            </a:r>
+            <a:endParaRPr lang="en-US" altLang="zh-CN" sz="1100" dirty="0"/>
+          </a:p>
+        </p:txBody>
+      </p:sp>
+    </p:spTree>
+  </p:cSld>
+  <p:clrMapOvr>
+    <a:masterClrMapping/>
+  </p:clrMapOvr>
+  <p:timing>
+    <p:tnLst>
+      <p:par>
+        <p:cTn id="1" dur="indefinite" restart="never" nodeType="tmRoot"/>
+      </p:par>
+    </p:tnLst>
+  </p:timing>
+</p:sld>
+</file>
+
+<file path=ppt/slides/slide12.xml><?xml version="1.0" encoding="utf-8"?>
+<p:sld xmlns:a="http://schemas.openxmlformats.org/drawingml/2006/main" xmlns:r="http://schemas.openxmlformats.org/officeDocument/2006/relationships" xmlns:p="http://schemas.openxmlformats.org/presentationml/2006/main">
+  <p:cSld>
+    <p:spTree>
+      <p:nvGrpSpPr>
+        <p:cNvPr id="1" name=""/>
+        <p:cNvGrpSpPr/>
+        <p:nvPr/>
+      </p:nvGrpSpPr>
+      <p:grpSpPr>
+        <a:xfrm>
+          <a:off x="0" y="0"/>
+          <a:ext cx="0" cy="0"/>
+          <a:chOff x="0" y="0"/>
+          <a:chExt cx="0" cy="0"/>
+        </a:xfrm>
+      </p:grpSpPr>
+      <p:pic>
+        <p:nvPicPr>
+          <p:cNvPr id="5" name="图片 4"/>
+          <p:cNvPicPr>
+            <a:picLocks noChangeAspect="1"/>
+          </p:cNvPicPr>
+          <p:nvPr/>
+        </p:nvPicPr>
+        <p:blipFill>
+          <a:blip r:embed="rId1">
+            <a:extLst>
+              <a:ext uri="{28A0092B-C50C-407E-A947-70E740481C1C}">
+                <a14:useLocalDpi xmlns:a14="http://schemas.microsoft.com/office/drawing/2010/main" val="0"/>
+              </a:ext>
+            </a:extLst>
+          </a:blip>
+          <a:stretch>
+            <a:fillRect/>
+          </a:stretch>
+        </p:blipFill>
+        <p:spPr>
+          <a:xfrm>
+            <a:off x="0" y="0"/>
+            <a:ext cx="12192000" cy="6858000"/>
+          </a:xfrm>
+          <a:prstGeom prst="rect">
+            <a:avLst/>
+          </a:prstGeom>
+        </p:spPr>
+      </p:pic>
+      <p:sp>
+        <p:nvSpPr>
+          <p:cNvPr id="2" name="文本框 1"/>
+          <p:cNvSpPr txBox="1"/>
+          <p:nvPr/>
+        </p:nvSpPr>
+        <p:spPr>
+          <a:xfrm>
+            <a:off x="603250" y="461804"/>
+            <a:ext cx="1620957" cy="523220"/>
+          </a:xfrm>
+          <a:prstGeom prst="rect">
+            <a:avLst/>
+          </a:prstGeom>
+          <a:noFill/>
+        </p:spPr>
+        <p:txBody>
+          <a:bodyPr wrap="none" rtlCol="0">
+            <a:spAutoFit/>
+          </a:bodyPr>
+          <a:lstStyle/>
+          <a:p>
+            <a:r>
+              <a:rPr lang="zh-CN" altLang="en-US" sz="2800" dirty="0" smtClean="0">
+                <a:solidFill>
+                  <a:schemeClr val="tx1">
+                    <a:lumMod val="85000"/>
+                    <a:lumOff val="15000"/>
+                  </a:schemeClr>
+                </a:solidFill>
+                <a:latin typeface="思源黑体 CN Light" panose="020B0300000000000000" pitchFamily="34" charset="-122"/>
+                <a:ea typeface="思源黑体 CN Light" panose="020B0300000000000000" pitchFamily="34" charset="-122"/>
+              </a:rPr>
+              <a:t>活动流程</a:t>
+            </a:r>
+            <a:endParaRPr lang="zh-CN" altLang="en-US" sz="2800" dirty="0">
+              <a:solidFill>
+                <a:schemeClr val="tx1">
+                  <a:lumMod val="85000"/>
+                  <a:lumOff val="15000"/>
+                </a:schemeClr>
+              </a:solidFill>
+              <a:latin typeface="思源黑体 CN Light" panose="020B0300000000000000" pitchFamily="34" charset="-122"/>
+              <a:ea typeface="思源黑体 CN Light" panose="020B0300000000000000" pitchFamily="34" charset="-122"/>
+            </a:endParaRPr>
+          </a:p>
+        </p:txBody>
+      </p:sp>
+      <p:sp>
+        <p:nvSpPr>
+          <p:cNvPr id="3" name="文本框 2"/>
+          <p:cNvSpPr txBox="1"/>
+          <p:nvPr/>
+        </p:nvSpPr>
+        <p:spPr>
+          <a:xfrm>
+            <a:off x="603250" y="1037411"/>
+            <a:ext cx="2262158" cy="369332"/>
+          </a:xfrm>
+          <a:prstGeom prst="rect">
+            <a:avLst/>
+          </a:prstGeom>
+          <a:noFill/>
+        </p:spPr>
+        <p:txBody>
+          <a:bodyPr wrap="none" rtlCol="0">
+            <a:spAutoFit/>
+          </a:bodyPr>
+          <a:lstStyle/>
+          <a:p>
+            <a:r>
+              <a:rPr lang="zh-CN" altLang="en-US" dirty="0" smtClean="0">
+                <a:solidFill>
+                  <a:schemeClr val="tx1">
+                    <a:lumMod val="85000"/>
+                    <a:lumOff val="15000"/>
+                  </a:schemeClr>
+                </a:solidFill>
+                <a:latin typeface="思源黑体 CN Light" panose="020B0300000000000000" pitchFamily="34" charset="-122"/>
+                <a:ea typeface="思源黑体 CN Light" panose="020B0300000000000000" pitchFamily="34" charset="-122"/>
+              </a:rPr>
+              <a:t>前海梦工场走进腾讯</a:t>
+            </a:r>
+            <a:endParaRPr lang="zh-CN" altLang="en-US" dirty="0">
+              <a:solidFill>
+                <a:schemeClr val="tx1">
+                  <a:lumMod val="85000"/>
+                  <a:lumOff val="15000"/>
+                </a:schemeClr>
+              </a:solidFill>
+              <a:latin typeface="思源黑体 CN Light" panose="020B0300000000000000" pitchFamily="34" charset="-122"/>
+              <a:ea typeface="思源黑体 CN Light" panose="020B0300000000000000" pitchFamily="34" charset="-122"/>
+            </a:endParaRPr>
+          </a:p>
+        </p:txBody>
+      </p:sp>
+      <p:cxnSp>
+        <p:nvCxnSpPr>
+          <p:cNvPr id="4" name="直接连接符 3"/>
+          <p:cNvCxnSpPr/>
+          <p:nvPr/>
+        </p:nvCxnSpPr>
+        <p:spPr>
+          <a:xfrm>
+            <a:off x="710406" y="1006455"/>
+            <a:ext cx="1945245" cy="0"/>
+          </a:xfrm>
+          <a:prstGeom prst="line">
+            <a:avLst/>
+          </a:prstGeom>
+          <a:ln>
+            <a:solidFill>
+              <a:schemeClr val="tx1">
+                <a:lumMod val="75000"/>
+                <a:lumOff val="25000"/>
+              </a:schemeClr>
+            </a:solidFill>
+          </a:ln>
+        </p:spPr>
+        <p:style>
+          <a:lnRef idx="1">
+            <a:schemeClr val="accent1"/>
+          </a:lnRef>
+          <a:fillRef idx="0">
+            <a:schemeClr val="accent1"/>
+          </a:fillRef>
+          <a:effectRef idx="0">
+            <a:schemeClr val="accent1"/>
+          </a:effectRef>
+          <a:fontRef idx="minor">
+            <a:schemeClr val="tx1"/>
+          </a:fontRef>
+        </p:style>
+      </p:cxnSp>
+      <p:pic>
+        <p:nvPicPr>
+          <p:cNvPr id="6" name="图片 5"/>
+          <p:cNvPicPr>
+            <a:picLocks noChangeAspect="1"/>
+          </p:cNvPicPr>
+          <p:nvPr/>
+        </p:nvPicPr>
+        <p:blipFill>
+          <a:blip r:embed="rId2"/>
+          <a:stretch>
+            <a:fillRect/>
+          </a:stretch>
+        </p:blipFill>
+        <p:spPr>
+          <a:xfrm>
+            <a:off x="710565" y="1459230"/>
+            <a:ext cx="8037195" cy="4925695"/>
+          </a:xfrm>
+          <a:prstGeom prst="rect">
+            <a:avLst/>
+          </a:prstGeom>
+        </p:spPr>
+      </p:pic>
+      <p:sp>
+        <p:nvSpPr>
+          <p:cNvPr id="9" name="išḻîḓè"/>
+          <p:cNvSpPr/>
+          <p:nvPr/>
+        </p:nvSpPr>
+        <p:spPr bwMode="auto">
+          <a:xfrm>
+            <a:off x="8747760" y="1591310"/>
+            <a:ext cx="2749550" cy="534670"/>
+          </a:xfrm>
+          <a:prstGeom prst="rect">
+            <a:avLst/>
+          </a:prstGeom>
+          <a:noFill/>
+          <a:ln>
+            <a:noFill/>
+          </a:ln>
+          <a:extLst>
+            <a:ext uri="{909E8E84-426E-40DD-AFC4-6F175D3DCCD1}">
+              <a14:hiddenFill xmlns:a14="http://schemas.microsoft.com/office/drawing/2010/main">
+                <a:solidFill>
+                  <a:srgbClr val="FFFFFF"/>
+                </a:solidFill>
+              </a14:hiddenFill>
+            </a:ext>
+            <a:ext uri="{91240B29-F687-4F45-9708-019B960494DF}">
+              <a14:hiddenLine xmlns:a14="http://schemas.microsoft.com/office/drawing/2010/main" w="9525">
+                <a:solidFill>
+                  <a:srgbClr val="000000"/>
+                </a:solidFill>
+                <a:miter lim="800000"/>
+                <a:headEnd/>
+                <a:tailEnd/>
+              </a14:hiddenLine>
+            </a:ext>
+          </a:extLst>
+        </p:spPr>
+        <p:txBody>
+          <a:bodyPr wrap="square" lIns="90000" rIns="90000" anchor="t" anchorCtr="0">
+            <a:normAutofit/>
+          </a:bodyPr>
+          <a:p>
+            <a:pPr algn="l">
+              <a:lnSpc>
+                <a:spcPct val="120000"/>
+              </a:lnSpc>
+            </a:pPr>
+            <a:r>
+              <a:rPr lang="en-US" altLang="zh-CN" sz="1100" dirty="0"/>
+              <a:t>TM 要求 TC 开始一个全新的全局事务。TC 生成一个代表该全局事务的 XID。</a:t>
+            </a:r>
+            <a:endParaRPr lang="en-US" altLang="zh-CN" sz="1100" dirty="0"/>
+          </a:p>
+        </p:txBody>
+      </p:sp>
+      <p:sp>
+        <p:nvSpPr>
+          <p:cNvPr id="8" name="íşḷíḓê"/>
+          <p:cNvSpPr/>
+          <p:nvPr/>
+        </p:nvSpPr>
+        <p:spPr bwMode="auto">
+          <a:xfrm>
+            <a:off x="5884460" y="2125988"/>
+            <a:ext cx="2195910" cy="557399"/>
+          </a:xfrm>
+          <a:prstGeom prst="rect">
+            <a:avLst/>
+          </a:prstGeom>
+          <a:noFill/>
+          <a:ln>
+            <a:noFill/>
+          </a:ln>
+          <a:extLst>
+            <a:ext uri="{909E8E84-426E-40DD-AFC4-6F175D3DCCD1}">
+              <a14:hiddenFill xmlns:a14="http://schemas.microsoft.com/office/drawing/2010/main">
+                <a:solidFill>
+                  <a:srgbClr val="FFFFFF"/>
+                </a:solidFill>
+              </a14:hiddenFill>
+            </a:ext>
+            <a:ext uri="{91240B29-F687-4F45-9708-019B960494DF}">
+              <a14:hiddenLine xmlns:a14="http://schemas.microsoft.com/office/drawing/2010/main" w="9525">
+                <a:solidFill>
+                  <a:srgbClr val="000000"/>
+                </a:solidFill>
+                <a:miter lim="800000"/>
+                <a:headEnd/>
+                <a:tailEnd/>
+              </a14:hiddenLine>
+            </a:ext>
+          </a:extLst>
+        </p:spPr>
+        <p:txBody>
+          <a:bodyPr wrap="square" lIns="90000" rIns="90000" anchor="t" anchorCtr="0">
+            <a:normAutofit/>
+          </a:bodyPr>
+          <a:p>
+            <a:pPr algn="ctr">
+              <a:lnSpc>
+                <a:spcPct val="120000"/>
+              </a:lnSpc>
+            </a:pPr>
+            <a:r>
+              <a:rPr lang="en-US" altLang="zh-CN" sz="1100" dirty="0"/>
+              <a:t>XID 贯穿于微服务的整个调用链。</a:t>
+            </a:r>
+            <a:endParaRPr lang="en-US" altLang="zh-CN" sz="1100" dirty="0"/>
+          </a:p>
+        </p:txBody>
+      </p:sp>
+      <p:sp>
+        <p:nvSpPr>
+          <p:cNvPr id="22" name="îśľiḓè"/>
+          <p:cNvSpPr/>
+          <p:nvPr/>
+        </p:nvSpPr>
+        <p:spPr bwMode="auto">
+          <a:xfrm>
+            <a:off x="8747821" y="2440313"/>
+            <a:ext cx="2195910" cy="557399"/>
+          </a:xfrm>
+          <a:prstGeom prst="rect">
+            <a:avLst/>
+          </a:prstGeom>
+          <a:noFill/>
+          <a:ln>
+            <a:noFill/>
+          </a:ln>
+          <a:extLst>
+            <a:ext uri="{909E8E84-426E-40DD-AFC4-6F175D3DCCD1}">
+              <a14:hiddenFill xmlns:a14="http://schemas.microsoft.com/office/drawing/2010/main">
+                <a:solidFill>
+                  <a:srgbClr val="FFFFFF"/>
+                </a:solidFill>
+              </a14:hiddenFill>
+            </a:ext>
+            <a:ext uri="{91240B29-F687-4F45-9708-019B960494DF}">
+              <a14:hiddenLine xmlns:a14="http://schemas.microsoft.com/office/drawing/2010/main" w="9525">
+                <a:solidFill>
+                  <a:srgbClr val="000000"/>
+                </a:solidFill>
+                <a:miter lim="800000"/>
+                <a:headEnd/>
+                <a:tailEnd/>
+              </a14:hiddenLine>
+            </a:ext>
+          </a:extLst>
+        </p:spPr>
+        <p:txBody>
+          <a:bodyPr wrap="square" lIns="90000" rIns="90000" anchor="t" anchorCtr="0">
+            <a:normAutofit fontScale="80000"/>
+          </a:bodyPr>
+          <a:p>
+            <a:pPr algn="l">
+              <a:lnSpc>
+                <a:spcPct val="120000"/>
+              </a:lnSpc>
+            </a:pPr>
+            <a:r>
+              <a:rPr lang="en-US" altLang="zh-CN" sz="1200" dirty="0"/>
+              <a:t>作为该 XID 对应到的 TC 下的全局事务的一部分，RM 注册本地事务</a:t>
+            </a:r>
+            <a:r>
+              <a:rPr lang="en-US" altLang="zh-CN" sz="1100" dirty="0"/>
+              <a:t>。</a:t>
+            </a:r>
+            <a:endParaRPr lang="en-US" altLang="zh-CN" sz="1100" dirty="0"/>
+          </a:p>
+        </p:txBody>
+      </p:sp>
+      <p:sp>
+        <p:nvSpPr>
+          <p:cNvPr id="23" name="íŝļiďé"/>
+          <p:cNvSpPr/>
+          <p:nvPr/>
+        </p:nvSpPr>
+        <p:spPr bwMode="auto">
+          <a:xfrm>
+            <a:off x="3151076" y="1033788"/>
+            <a:ext cx="2195910" cy="557399"/>
+          </a:xfrm>
+          <a:prstGeom prst="rect">
+            <a:avLst/>
+          </a:prstGeom>
+          <a:noFill/>
+          <a:ln>
+            <a:noFill/>
+          </a:ln>
+          <a:extLst>
+            <a:ext uri="{909E8E84-426E-40DD-AFC4-6F175D3DCCD1}">
+              <a14:hiddenFill xmlns:a14="http://schemas.microsoft.com/office/drawing/2010/main">
+                <a:solidFill>
+                  <a:srgbClr val="FFFFFF"/>
+                </a:solidFill>
+              </a14:hiddenFill>
+            </a:ext>
+            <a:ext uri="{91240B29-F687-4F45-9708-019B960494DF}">
+              <a14:hiddenLine xmlns:a14="http://schemas.microsoft.com/office/drawing/2010/main" w="9525">
+                <a:solidFill>
+                  <a:srgbClr val="000000"/>
+                </a:solidFill>
+                <a:miter lim="800000"/>
+                <a:headEnd/>
+                <a:tailEnd/>
+              </a14:hiddenLine>
+            </a:ext>
+          </a:extLst>
+        </p:spPr>
+        <p:txBody>
+          <a:bodyPr wrap="square" lIns="90000" rIns="90000" anchor="t" anchorCtr="0">
+            <a:normAutofit/>
+          </a:bodyPr>
+          <a:p>
+            <a:pPr algn="ctr">
+              <a:lnSpc>
+                <a:spcPct val="120000"/>
+              </a:lnSpc>
+            </a:pPr>
+            <a:r>
+              <a:rPr lang="en-US" altLang="zh-CN" sz="1100" dirty="0"/>
+              <a:t>TM 要求 TC 提交或回滚 XID 对应的全局事务。</a:t>
+            </a:r>
+            <a:endParaRPr lang="en-US" altLang="zh-CN" sz="1100" dirty="0"/>
+          </a:p>
+        </p:txBody>
+      </p:sp>
+      <p:sp>
+        <p:nvSpPr>
+          <p:cNvPr id="31" name="íŝļiďé"/>
+          <p:cNvSpPr/>
+          <p:nvPr/>
+        </p:nvSpPr>
+        <p:spPr bwMode="auto">
+          <a:xfrm>
+            <a:off x="5616146" y="3150243"/>
             <a:ext cx="2195910" cy="557399"/>
           </a:xfrm>
           <a:prstGeom prst="rect">

--- a/ShardingJDBC+Seata分布式事务解决方案.pptx
+++ b/ShardingJDBC+Seata分布式事务解决方案.pptx
@@ -5741,7 +5741,7 @@
         <p:spPr>
           <a:xfrm>
             <a:off x="603250" y="461804"/>
-            <a:ext cx="1620957" cy="523220"/>
+            <a:ext cx="1838960" cy="521970"/>
           </a:xfrm>
           <a:prstGeom prst="rect">
             <a:avLst/>
@@ -5755,7 +5755,7 @@
           <a:lstStyle/>
           <a:p>
             <a:r>
-              <a:rPr lang="zh-CN" altLang="en-US" sz="2800" dirty="0" smtClean="0">
+              <a:rPr lang="zh-CN" altLang="en-US" sz="2800" dirty="0">
                 <a:solidFill>
                   <a:schemeClr val="tx1">
                     <a:lumMod val="85000"/>
@@ -5765,9 +5765,22 @@
                 <a:latin typeface="思源黑体 CN Light" panose="020B0300000000000000" pitchFamily="34" charset="-122"/>
                 <a:ea typeface="思源黑体 CN Light" panose="020B0300000000000000" pitchFamily="34" charset="-122"/>
               </a:rPr>
-              <a:t>活动流程</a:t>
+              <a:t>生命周期</a:t>
             </a:r>
-            <a:endParaRPr lang="zh-CN" altLang="en-US" sz="2800" dirty="0">
+            <a:r>
+              <a:rPr lang="en-US" altLang="zh-CN" sz="2800" dirty="0">
+                <a:solidFill>
+                  <a:schemeClr val="tx1">
+                    <a:lumMod val="85000"/>
+                    <a:lumOff val="15000"/>
+                  </a:schemeClr>
+                </a:solidFill>
+                <a:latin typeface="思源黑体 CN Light" panose="020B0300000000000000" pitchFamily="34" charset="-122"/>
+                <a:ea typeface="思源黑体 CN Light" panose="020B0300000000000000" pitchFamily="34" charset="-122"/>
+              </a:rPr>
+              <a:t>2</a:t>
+            </a:r>
+            <a:endParaRPr lang="en-US" altLang="zh-CN" sz="2800" dirty="0">
               <a:solidFill>
                 <a:schemeClr val="tx1">
                   <a:lumMod val="85000"/>
@@ -5789,7 +5802,7 @@
         <p:spPr>
           <a:xfrm>
             <a:off x="603250" y="1037411"/>
-            <a:ext cx="2262158" cy="369332"/>
+            <a:ext cx="2351405" cy="368300"/>
           </a:xfrm>
           <a:prstGeom prst="rect">
             <a:avLst/>
@@ -5803,7 +5816,7 @@
           <a:lstStyle/>
           <a:p>
             <a:r>
-              <a:rPr lang="zh-CN" altLang="en-US" dirty="0" smtClean="0">
+              <a:rPr lang="en-US" altLang="zh-CN" dirty="0">
                 <a:solidFill>
                   <a:schemeClr val="tx1">
                     <a:lumMod val="85000"/>
@@ -5813,7 +5826,20 @@
                 <a:latin typeface="思源黑体 CN Light" panose="020B0300000000000000" pitchFamily="34" charset="-122"/>
                 <a:ea typeface="思源黑体 CN Light" panose="020B0300000000000000" pitchFamily="34" charset="-122"/>
               </a:rPr>
-              <a:t>前海梦工场走进腾讯</a:t>
+              <a:t>seata github </a:t>
+            </a:r>
+            <a:r>
+              <a:rPr lang="zh-CN" altLang="en-US" dirty="0">
+                <a:solidFill>
+                  <a:schemeClr val="tx1">
+                    <a:lumMod val="85000"/>
+                    <a:lumOff val="15000"/>
+                  </a:schemeClr>
+                </a:solidFill>
+                <a:latin typeface="思源黑体 CN Light" panose="020B0300000000000000" pitchFamily="34" charset="-122"/>
+                <a:ea typeface="思源黑体 CN Light" panose="020B0300000000000000" pitchFamily="34" charset="-122"/>
+              </a:rPr>
+              <a:t>流程图</a:t>
             </a:r>
             <a:endParaRPr lang="zh-CN" altLang="en-US" dirty="0">
               <a:solidFill>
@@ -5898,8 +5924,8 @@
         </p:nvSpPr>
         <p:spPr bwMode="auto">
           <a:xfrm>
-            <a:off x="8747760" y="1591310"/>
-            <a:ext cx="2749550" cy="534670"/>
+            <a:off x="8080375" y="1800860"/>
+            <a:ext cx="605155" cy="3256280"/>
           </a:xfrm>
           <a:prstGeom prst="rect">
             <a:avLst/>
